--- a/自主移動機器人應用與實作/ppt.pptx
+++ b/自主移動機器人應用與實作/ppt.pptx
@@ -105,6 +105,11 @@
       </a:defRPr>
     </a:lvl9pPr>
   </p:defaultTextStyle>
+  <p:extLst>
+    <p:ext uri="{EFAFB233-063F-42B5-8137-9DF3F51BA10A}">
+      <p15:sldGuideLst xmlns:p15="http://schemas.microsoft.com/office/powerpoint/2012/main"/>
+    </p:ext>
+  </p:extLst>
 </p:presentation>
 </file>
 
@@ -255,7 +260,7 @@
           <a:p>
             <a:fld id="{127D04DD-0FA0-4845-BB9A-08CE7053B6BA}" type="datetimeFigureOut">
               <a:rPr lang="zh-TW" altLang="en-US" smtClean="0"/>
-              <a:t>2024/5/31</a:t>
+              <a:t>2024/6/6</a:t>
             </a:fld>
             <a:endParaRPr lang="zh-TW" altLang="en-US"/>
           </a:p>
@@ -453,7 +458,7 @@
           <a:p>
             <a:fld id="{127D04DD-0FA0-4845-BB9A-08CE7053B6BA}" type="datetimeFigureOut">
               <a:rPr lang="zh-TW" altLang="en-US" smtClean="0"/>
-              <a:t>2024/5/31</a:t>
+              <a:t>2024/6/6</a:t>
             </a:fld>
             <a:endParaRPr lang="zh-TW" altLang="en-US"/>
           </a:p>
@@ -661,7 +666,7 @@
           <a:p>
             <a:fld id="{127D04DD-0FA0-4845-BB9A-08CE7053B6BA}" type="datetimeFigureOut">
               <a:rPr lang="zh-TW" altLang="en-US" smtClean="0"/>
-              <a:t>2024/5/31</a:t>
+              <a:t>2024/6/6</a:t>
             </a:fld>
             <a:endParaRPr lang="zh-TW" altLang="en-US"/>
           </a:p>
@@ -859,7 +864,7 @@
           <a:p>
             <a:fld id="{127D04DD-0FA0-4845-BB9A-08CE7053B6BA}" type="datetimeFigureOut">
               <a:rPr lang="zh-TW" altLang="en-US" smtClean="0"/>
-              <a:t>2024/5/31</a:t>
+              <a:t>2024/6/6</a:t>
             </a:fld>
             <a:endParaRPr lang="zh-TW" altLang="en-US"/>
           </a:p>
@@ -1134,7 +1139,7 @@
           <a:p>
             <a:fld id="{127D04DD-0FA0-4845-BB9A-08CE7053B6BA}" type="datetimeFigureOut">
               <a:rPr lang="zh-TW" altLang="en-US" smtClean="0"/>
-              <a:t>2024/5/31</a:t>
+              <a:t>2024/6/6</a:t>
             </a:fld>
             <a:endParaRPr lang="zh-TW" altLang="en-US"/>
           </a:p>
@@ -1399,7 +1404,7 @@
           <a:p>
             <a:fld id="{127D04DD-0FA0-4845-BB9A-08CE7053B6BA}" type="datetimeFigureOut">
               <a:rPr lang="zh-TW" altLang="en-US" smtClean="0"/>
-              <a:t>2024/5/31</a:t>
+              <a:t>2024/6/6</a:t>
             </a:fld>
             <a:endParaRPr lang="zh-TW" altLang="en-US"/>
           </a:p>
@@ -1811,7 +1816,7 @@
           <a:p>
             <a:fld id="{127D04DD-0FA0-4845-BB9A-08CE7053B6BA}" type="datetimeFigureOut">
               <a:rPr lang="zh-TW" altLang="en-US" smtClean="0"/>
-              <a:t>2024/5/31</a:t>
+              <a:t>2024/6/6</a:t>
             </a:fld>
             <a:endParaRPr lang="zh-TW" altLang="en-US"/>
           </a:p>
@@ -1952,7 +1957,7 @@
           <a:p>
             <a:fld id="{127D04DD-0FA0-4845-BB9A-08CE7053B6BA}" type="datetimeFigureOut">
               <a:rPr lang="zh-TW" altLang="en-US" smtClean="0"/>
-              <a:t>2024/5/31</a:t>
+              <a:t>2024/6/6</a:t>
             </a:fld>
             <a:endParaRPr lang="zh-TW" altLang="en-US"/>
           </a:p>
@@ -2065,7 +2070,7 @@
           <a:p>
             <a:fld id="{127D04DD-0FA0-4845-BB9A-08CE7053B6BA}" type="datetimeFigureOut">
               <a:rPr lang="zh-TW" altLang="en-US" smtClean="0"/>
-              <a:t>2024/5/31</a:t>
+              <a:t>2024/6/6</a:t>
             </a:fld>
             <a:endParaRPr lang="zh-TW" altLang="en-US"/>
           </a:p>
@@ -2376,7 +2381,7 @@
           <a:p>
             <a:fld id="{127D04DD-0FA0-4845-BB9A-08CE7053B6BA}" type="datetimeFigureOut">
               <a:rPr lang="zh-TW" altLang="en-US" smtClean="0"/>
-              <a:t>2024/5/31</a:t>
+              <a:t>2024/6/6</a:t>
             </a:fld>
             <a:endParaRPr lang="zh-TW" altLang="en-US"/>
           </a:p>
@@ -2664,7 +2669,7 @@
           <a:p>
             <a:fld id="{127D04DD-0FA0-4845-BB9A-08CE7053B6BA}" type="datetimeFigureOut">
               <a:rPr lang="zh-TW" altLang="en-US" smtClean="0"/>
-              <a:t>2024/5/31</a:t>
+              <a:t>2024/6/6</a:t>
             </a:fld>
             <a:endParaRPr lang="zh-TW" altLang="en-US"/>
           </a:p>
@@ -2905,7 +2910,7 @@
           <a:p>
             <a:fld id="{127D04DD-0FA0-4845-BB9A-08CE7053B6BA}" type="datetimeFigureOut">
               <a:rPr lang="zh-TW" altLang="en-US" smtClean="0"/>
-              <a:t>2024/5/31</a:t>
+              <a:t>2024/6/6</a:t>
             </a:fld>
             <a:endParaRPr lang="zh-TW" altLang="en-US"/>
           </a:p>
@@ -3322,890 +3327,1057 @@
           <a:chExt cx="0" cy="0"/>
         </a:xfrm>
       </p:grpSpPr>
-      <p:sp>
-        <p:nvSpPr>
-          <p:cNvPr id="4" name="橢圓 3">
-            <a:extLst>
-              <a:ext uri="{FF2B5EF4-FFF2-40B4-BE49-F238E27FC236}">
-                <a16:creationId xmlns:a16="http://schemas.microsoft.com/office/drawing/2014/main" id="{5BA52A38-C059-4627-B071-63947250C382}"/>
-              </a:ext>
-            </a:extLst>
-          </p:cNvPr>
-          <p:cNvSpPr/>
+      <p:grpSp>
+        <p:nvGrpSpPr>
+          <p:cNvPr id="10" name="群組 9">
+            <a:extLst>
+              <a:ext uri="{FF2B5EF4-FFF2-40B4-BE49-F238E27FC236}">
+                <a16:creationId xmlns:a16="http://schemas.microsoft.com/office/drawing/2014/main" id="{0D225A7D-0AFB-4632-8CAB-BA4C8945F3CE}"/>
+              </a:ext>
+            </a:extLst>
+          </p:cNvPr>
+          <p:cNvGrpSpPr/>
           <p:nvPr/>
-        </p:nvSpPr>
-        <p:spPr>
+        </p:nvGrpSpPr>
+        <p:grpSpPr>
           <a:xfrm>
-            <a:off x="1203366" y="908462"/>
-            <a:ext cx="1905990" cy="1365663"/>
+            <a:off x="1203366" y="418548"/>
+            <a:ext cx="9484426" cy="5756621"/>
+            <a:chOff x="1203366" y="418548"/>
+            <a:chExt cx="9484426" cy="5756621"/>
           </a:xfrm>
-          <a:prstGeom prst="ellipse">
-            <a:avLst/>
-          </a:prstGeom>
-        </p:spPr>
-        <p:style>
-          <a:lnRef idx="2">
-            <a:schemeClr val="accent1">
-              <a:shade val="50000"/>
-            </a:schemeClr>
-          </a:lnRef>
-          <a:fillRef idx="1">
-            <a:schemeClr val="accent1"/>
-          </a:fillRef>
-          <a:effectRef idx="0">
-            <a:schemeClr val="accent1"/>
-          </a:effectRef>
-          <a:fontRef idx="minor">
-            <a:schemeClr val="lt1"/>
-          </a:fontRef>
-        </p:style>
-        <p:txBody>
-          <a:bodyPr rtlCol="0" anchor="ctr"/>
-          <a:lstStyle/>
-          <a:p>
-            <a:pPr algn="ctr"/>
-            <a:r>
-              <a:rPr lang="zh-TW" altLang="en-US" dirty="0">
-                <a:latin typeface="微軟正黑體" panose="020B0604030504040204" pitchFamily="34" charset="-120"/>
-                <a:ea typeface="微軟正黑體" panose="020B0604030504040204" pitchFamily="34" charset="-120"/>
-              </a:rPr>
-              <a:t>手臂</a:t>
-            </a:r>
-          </a:p>
-        </p:txBody>
-      </p:sp>
-      <p:sp>
-        <p:nvSpPr>
-          <p:cNvPr id="6" name="橢圓 5">
-            <a:extLst>
-              <a:ext uri="{FF2B5EF4-FFF2-40B4-BE49-F238E27FC236}">
-                <a16:creationId xmlns:a16="http://schemas.microsoft.com/office/drawing/2014/main" id="{36172584-3285-417D-BD76-4309BA03C8F2}"/>
-              </a:ext>
-            </a:extLst>
-          </p:cNvPr>
-          <p:cNvSpPr/>
-          <p:nvPr/>
-        </p:nvSpPr>
-        <p:spPr>
-          <a:xfrm>
-            <a:off x="4878780" y="1321128"/>
-            <a:ext cx="1905990" cy="1365663"/>
-          </a:xfrm>
-          <a:prstGeom prst="ellipse">
-            <a:avLst/>
-          </a:prstGeom>
-        </p:spPr>
-        <p:style>
-          <a:lnRef idx="2">
-            <a:schemeClr val="accent1">
-              <a:shade val="50000"/>
-            </a:schemeClr>
-          </a:lnRef>
-          <a:fillRef idx="1">
-            <a:schemeClr val="accent1"/>
-          </a:fillRef>
-          <a:effectRef idx="0">
-            <a:schemeClr val="accent1"/>
-          </a:effectRef>
-          <a:fontRef idx="minor">
-            <a:schemeClr val="lt1"/>
-          </a:fontRef>
-        </p:style>
-        <p:txBody>
-          <a:bodyPr rtlCol="0" anchor="ctr"/>
-          <a:lstStyle/>
-          <a:p>
-            <a:pPr algn="ctr"/>
-            <a:r>
-              <a:rPr lang="zh-TW" altLang="en-US" dirty="0">
-                <a:latin typeface="微軟正黑體" panose="020B0604030504040204" pitchFamily="34" charset="-120"/>
-                <a:ea typeface="微軟正黑體" panose="020B0604030504040204" pitchFamily="34" charset="-120"/>
-              </a:rPr>
-              <a:t>語音控制</a:t>
-            </a:r>
-          </a:p>
-        </p:txBody>
-      </p:sp>
-      <p:sp>
-        <p:nvSpPr>
-          <p:cNvPr id="8" name="矩形: 圓角 7">
-            <a:extLst>
-              <a:ext uri="{FF2B5EF4-FFF2-40B4-BE49-F238E27FC236}">
-                <a16:creationId xmlns:a16="http://schemas.microsoft.com/office/drawing/2014/main" id="{AFCD8A01-C799-48A5-9EC0-60139DDE5064}"/>
-              </a:ext>
-            </a:extLst>
-          </p:cNvPr>
-          <p:cNvSpPr/>
-          <p:nvPr/>
-        </p:nvSpPr>
-        <p:spPr>
-          <a:xfrm>
-            <a:off x="3604161" y="3497283"/>
-            <a:ext cx="7083631" cy="2677886"/>
-          </a:xfrm>
-          <a:prstGeom prst="roundRect">
-            <a:avLst/>
-          </a:prstGeom>
-        </p:spPr>
-        <p:style>
-          <a:lnRef idx="2">
-            <a:schemeClr val="accent2">
-              <a:shade val="50000"/>
-            </a:schemeClr>
-          </a:lnRef>
-          <a:fillRef idx="1">
-            <a:schemeClr val="accent2"/>
-          </a:fillRef>
-          <a:effectRef idx="0">
-            <a:schemeClr val="accent2"/>
-          </a:effectRef>
-          <a:fontRef idx="minor">
-            <a:schemeClr val="lt1"/>
-          </a:fontRef>
-        </p:style>
-        <p:txBody>
-          <a:bodyPr rtlCol="0" anchor="ctr"/>
-          <a:lstStyle/>
-          <a:p>
-            <a:pPr algn="ctr"/>
-            <a:endParaRPr lang="zh-TW" altLang="en-US"/>
-          </a:p>
-        </p:txBody>
-      </p:sp>
-      <p:sp>
-        <p:nvSpPr>
-          <p:cNvPr id="7" name="橢圓 6">
-            <a:extLst>
-              <a:ext uri="{FF2B5EF4-FFF2-40B4-BE49-F238E27FC236}">
-                <a16:creationId xmlns:a16="http://schemas.microsoft.com/office/drawing/2014/main" id="{D5935FF2-EC15-479A-AE64-B8192E059D0F}"/>
-              </a:ext>
-            </a:extLst>
-          </p:cNvPr>
-          <p:cNvSpPr/>
-          <p:nvPr/>
-        </p:nvSpPr>
-        <p:spPr>
-          <a:xfrm>
-            <a:off x="4184074" y="3621973"/>
-            <a:ext cx="1973282" cy="1134094"/>
-          </a:xfrm>
-          <a:prstGeom prst="ellipse">
-            <a:avLst/>
-          </a:prstGeom>
-        </p:spPr>
-        <p:style>
-          <a:lnRef idx="2">
-            <a:schemeClr val="accent1">
-              <a:shade val="50000"/>
-            </a:schemeClr>
-          </a:lnRef>
-          <a:fillRef idx="1">
-            <a:schemeClr val="accent1"/>
-          </a:fillRef>
-          <a:effectRef idx="0">
-            <a:schemeClr val="accent1"/>
-          </a:effectRef>
-          <a:fontRef idx="minor">
-            <a:schemeClr val="lt1"/>
-          </a:fontRef>
-        </p:style>
-        <p:txBody>
-          <a:bodyPr rtlCol="0" anchor="ctr"/>
-          <a:lstStyle/>
-          <a:p>
-            <a:pPr algn="ctr"/>
-            <a:r>
-              <a:rPr lang="zh-TW" altLang="en-US" dirty="0">
-                <a:latin typeface="微軟正黑體" panose="020B0604030504040204" pitchFamily="34" charset="-120"/>
-                <a:ea typeface="微軟正黑體" panose="020B0604030504040204" pitchFamily="34" charset="-120"/>
-              </a:rPr>
-              <a:t>設定目標點</a:t>
-            </a:r>
-          </a:p>
-        </p:txBody>
-      </p:sp>
-      <p:sp>
-        <p:nvSpPr>
-          <p:cNvPr id="9" name="橢圓 8">
-            <a:extLst>
-              <a:ext uri="{FF2B5EF4-FFF2-40B4-BE49-F238E27FC236}">
-                <a16:creationId xmlns:a16="http://schemas.microsoft.com/office/drawing/2014/main" id="{73F52213-380C-4F9D-9D73-50B022D6A834}"/>
-              </a:ext>
-            </a:extLst>
-          </p:cNvPr>
-          <p:cNvSpPr/>
-          <p:nvPr/>
-        </p:nvSpPr>
-        <p:spPr>
-          <a:xfrm>
-            <a:off x="8304812" y="3883232"/>
-            <a:ext cx="1710049" cy="1294410"/>
-          </a:xfrm>
-          <a:prstGeom prst="ellipse">
-            <a:avLst/>
-          </a:prstGeom>
-        </p:spPr>
-        <p:style>
-          <a:lnRef idx="2">
-            <a:schemeClr val="accent1">
-              <a:shade val="50000"/>
-            </a:schemeClr>
-          </a:lnRef>
-          <a:fillRef idx="1">
-            <a:schemeClr val="accent1"/>
-          </a:fillRef>
-          <a:effectRef idx="0">
-            <a:schemeClr val="accent1"/>
-          </a:effectRef>
-          <a:fontRef idx="minor">
-            <a:schemeClr val="lt1"/>
-          </a:fontRef>
-        </p:style>
-        <p:txBody>
-          <a:bodyPr rtlCol="0" anchor="ctr"/>
-          <a:lstStyle/>
-          <a:p>
-            <a:pPr algn="ctr"/>
-            <a:r>
-              <a:rPr lang="zh-TW" altLang="en-US" dirty="0">
-                <a:latin typeface="微軟正黑體" panose="020B0604030504040204" pitchFamily="34" charset="-120"/>
-                <a:ea typeface="微軟正黑體" panose="020B0604030504040204" pitchFamily="34" charset="-120"/>
-              </a:rPr>
-              <a:t>檢測抵達目標</a:t>
-            </a:r>
-          </a:p>
-        </p:txBody>
-      </p:sp>
-      <p:sp>
-        <p:nvSpPr>
-          <p:cNvPr id="11" name="矩形: 圓角 10">
-            <a:extLst>
-              <a:ext uri="{FF2B5EF4-FFF2-40B4-BE49-F238E27FC236}">
-                <a16:creationId xmlns:a16="http://schemas.microsoft.com/office/drawing/2014/main" id="{A375FC80-2038-47F9-88AE-EB7053EEED6B}"/>
-              </a:ext>
-            </a:extLst>
-          </p:cNvPr>
-          <p:cNvSpPr/>
-          <p:nvPr/>
-        </p:nvSpPr>
-        <p:spPr>
-          <a:xfrm>
-            <a:off x="6157356" y="5035138"/>
-            <a:ext cx="1626920" cy="991590"/>
-          </a:xfrm>
-          <a:prstGeom prst="roundRect">
-            <a:avLst/>
-          </a:prstGeom>
-        </p:spPr>
-        <p:style>
-          <a:lnRef idx="2">
-            <a:schemeClr val="accent1">
-              <a:shade val="50000"/>
-            </a:schemeClr>
-          </a:lnRef>
-          <a:fillRef idx="1">
-            <a:schemeClr val="accent1"/>
-          </a:fillRef>
-          <a:effectRef idx="0">
-            <a:schemeClr val="accent1"/>
-          </a:effectRef>
-          <a:fontRef idx="minor">
-            <a:schemeClr val="lt1"/>
-          </a:fontRef>
-        </p:style>
-        <p:txBody>
-          <a:bodyPr rtlCol="0" anchor="ctr"/>
-          <a:lstStyle/>
-          <a:p>
-            <a:pPr algn="ctr"/>
-            <a:r>
-              <a:rPr lang="zh-TW" altLang="en-US" dirty="0">
-                <a:latin typeface="微軟正黑體" panose="020B0604030504040204" pitchFamily="34" charset="-120"/>
-                <a:ea typeface="微軟正黑體" panose="020B0604030504040204" pitchFamily="34" charset="-120"/>
-              </a:rPr>
-              <a:t>底盤</a:t>
-            </a:r>
-            <a:r>
-              <a:rPr lang="en-US" altLang="zh-TW" dirty="0"/>
-              <a:t>navigation</a:t>
-            </a:r>
-            <a:endParaRPr lang="zh-TW" altLang="en-US" dirty="0"/>
-          </a:p>
-        </p:txBody>
-      </p:sp>
-      <p:cxnSp>
-        <p:nvCxnSpPr>
-          <p:cNvPr id="13" name="接點: 弧形 12">
-            <a:extLst>
-              <a:ext uri="{FF2B5EF4-FFF2-40B4-BE49-F238E27FC236}">
-                <a16:creationId xmlns:a16="http://schemas.microsoft.com/office/drawing/2014/main" id="{3178A735-F03B-4DE5-B5FB-EBD3A89B0681}"/>
-              </a:ext>
-            </a:extLst>
-          </p:cNvPr>
-          <p:cNvCxnSpPr>
-            <a:stCxn id="7" idx="6"/>
-            <a:endCxn id="9" idx="2"/>
-          </p:cNvCxnSpPr>
-          <p:nvPr/>
-        </p:nvCxnSpPr>
-        <p:spPr>
-          <a:xfrm>
-            <a:off x="6157356" y="4189020"/>
-            <a:ext cx="2147456" cy="341417"/>
-          </a:xfrm>
-          <a:prstGeom prst="curvedConnector3">
-            <a:avLst/>
-          </a:prstGeom>
-          <a:ln w="28575">
-            <a:tailEnd type="triangle"/>
-          </a:ln>
-        </p:spPr>
-        <p:style>
-          <a:lnRef idx="1">
-            <a:schemeClr val="accent1"/>
-          </a:lnRef>
-          <a:fillRef idx="0">
-            <a:schemeClr val="accent1"/>
-          </a:fillRef>
-          <a:effectRef idx="0">
-            <a:schemeClr val="accent1"/>
-          </a:effectRef>
-          <a:fontRef idx="minor">
-            <a:schemeClr val="tx1"/>
-          </a:fontRef>
-        </p:style>
-      </p:cxnSp>
-      <p:cxnSp>
-        <p:nvCxnSpPr>
-          <p:cNvPr id="15" name="接點: 弧形 14">
-            <a:extLst>
-              <a:ext uri="{FF2B5EF4-FFF2-40B4-BE49-F238E27FC236}">
-                <a16:creationId xmlns:a16="http://schemas.microsoft.com/office/drawing/2014/main" id="{CA31FF21-AEE3-41EE-9B55-192D6C8FA423}"/>
-              </a:ext>
-            </a:extLst>
-          </p:cNvPr>
-          <p:cNvCxnSpPr>
-            <a:stCxn id="7" idx="4"/>
-            <a:endCxn id="11" idx="1"/>
-          </p:cNvCxnSpPr>
-          <p:nvPr/>
-        </p:nvCxnSpPr>
-        <p:spPr>
-          <a:xfrm rot="16200000" flipH="1">
-            <a:off x="5276602" y="4650179"/>
-            <a:ext cx="774866" cy="986641"/>
-          </a:xfrm>
-          <a:prstGeom prst="curvedConnector2">
-            <a:avLst/>
-          </a:prstGeom>
-          <a:ln w="28575">
-            <a:tailEnd type="triangle"/>
-          </a:ln>
-        </p:spPr>
-        <p:style>
-          <a:lnRef idx="1">
-            <a:schemeClr val="accent1"/>
-          </a:lnRef>
-          <a:fillRef idx="0">
-            <a:schemeClr val="accent1"/>
-          </a:fillRef>
-          <a:effectRef idx="0">
-            <a:schemeClr val="accent1"/>
-          </a:effectRef>
-          <a:fontRef idx="minor">
-            <a:schemeClr val="tx1"/>
-          </a:fontRef>
-        </p:style>
-      </p:cxnSp>
-      <p:cxnSp>
-        <p:nvCxnSpPr>
-          <p:cNvPr id="19" name="接點: 弧形 18">
-            <a:extLst>
-              <a:ext uri="{FF2B5EF4-FFF2-40B4-BE49-F238E27FC236}">
-                <a16:creationId xmlns:a16="http://schemas.microsoft.com/office/drawing/2014/main" id="{4888557B-93BC-4622-B57C-495DB3839270}"/>
-              </a:ext>
-            </a:extLst>
-          </p:cNvPr>
-          <p:cNvCxnSpPr>
-            <a:endCxn id="9" idx="4"/>
-          </p:cNvCxnSpPr>
-          <p:nvPr/>
-        </p:nvCxnSpPr>
-        <p:spPr>
-          <a:xfrm flipV="1">
-            <a:off x="7784276" y="5177642"/>
-            <a:ext cx="1375561" cy="353291"/>
-          </a:xfrm>
-          <a:prstGeom prst="curvedConnector2">
-            <a:avLst/>
-          </a:prstGeom>
-          <a:ln w="28575">
-            <a:tailEnd type="triangle"/>
-          </a:ln>
-        </p:spPr>
-        <p:style>
-          <a:lnRef idx="1">
-            <a:schemeClr val="accent1"/>
-          </a:lnRef>
-          <a:fillRef idx="0">
-            <a:schemeClr val="accent1"/>
-          </a:fillRef>
-          <a:effectRef idx="0">
-            <a:schemeClr val="accent1"/>
-          </a:effectRef>
-          <a:fontRef idx="minor">
-            <a:schemeClr val="tx1"/>
-          </a:fontRef>
-        </p:style>
-      </p:cxnSp>
-      <p:cxnSp>
-        <p:nvCxnSpPr>
-          <p:cNvPr id="21" name="接點: 弧形 20">
-            <a:extLst>
-              <a:ext uri="{FF2B5EF4-FFF2-40B4-BE49-F238E27FC236}">
-                <a16:creationId xmlns:a16="http://schemas.microsoft.com/office/drawing/2014/main" id="{92211C55-466D-4213-A54B-3F9E2B5CB29C}"/>
-              </a:ext>
-            </a:extLst>
-          </p:cNvPr>
-          <p:cNvCxnSpPr>
-            <a:cxnSpLocks/>
-            <a:stCxn id="6" idx="4"/>
-            <a:endCxn id="7" idx="0"/>
-          </p:cNvCxnSpPr>
-          <p:nvPr/>
-        </p:nvCxnSpPr>
-        <p:spPr>
-          <a:xfrm rot="5400000">
-            <a:off x="5033654" y="2823852"/>
-            <a:ext cx="935182" cy="661060"/>
-          </a:xfrm>
-          <a:prstGeom prst="curvedConnector3">
-            <a:avLst/>
-          </a:prstGeom>
-          <a:ln w="28575">
-            <a:tailEnd type="triangle"/>
-          </a:ln>
-        </p:spPr>
-        <p:style>
-          <a:lnRef idx="1">
-            <a:schemeClr val="accent1"/>
-          </a:lnRef>
-          <a:fillRef idx="0">
-            <a:schemeClr val="accent1"/>
-          </a:fillRef>
-          <a:effectRef idx="0">
-            <a:schemeClr val="accent1"/>
-          </a:effectRef>
-          <a:fontRef idx="minor">
-            <a:schemeClr val="tx1"/>
-          </a:fontRef>
-        </p:style>
-      </p:cxnSp>
-      <p:cxnSp>
-        <p:nvCxnSpPr>
-          <p:cNvPr id="25" name="接點: 弧形 24">
-            <a:extLst>
-              <a:ext uri="{FF2B5EF4-FFF2-40B4-BE49-F238E27FC236}">
-                <a16:creationId xmlns:a16="http://schemas.microsoft.com/office/drawing/2014/main" id="{6558E1AB-4A52-472B-B460-3F7EAF666C85}"/>
-              </a:ext>
-            </a:extLst>
-          </p:cNvPr>
-          <p:cNvCxnSpPr>
-            <a:cxnSpLocks/>
-            <a:stCxn id="9" idx="0"/>
-            <a:endCxn id="6" idx="6"/>
-          </p:cNvCxnSpPr>
-          <p:nvPr/>
-        </p:nvCxnSpPr>
-        <p:spPr>
-          <a:xfrm rot="16200000" flipV="1">
-            <a:off x="7032668" y="1756062"/>
-            <a:ext cx="1879272" cy="2375067"/>
-          </a:xfrm>
-          <a:prstGeom prst="curvedConnector2">
-            <a:avLst/>
-          </a:prstGeom>
-          <a:ln w="28575">
-            <a:tailEnd type="triangle"/>
-          </a:ln>
-        </p:spPr>
-        <p:style>
-          <a:lnRef idx="1">
-            <a:schemeClr val="accent1"/>
-          </a:lnRef>
-          <a:fillRef idx="0">
-            <a:schemeClr val="accent1"/>
-          </a:fillRef>
-          <a:effectRef idx="0">
-            <a:schemeClr val="accent1"/>
-          </a:effectRef>
-          <a:fontRef idx="minor">
-            <a:schemeClr val="tx1"/>
-          </a:fontRef>
-        </p:style>
-      </p:cxnSp>
-      <p:sp>
-        <p:nvSpPr>
-          <p:cNvPr id="30" name="文字方塊 29">
-            <a:extLst>
-              <a:ext uri="{FF2B5EF4-FFF2-40B4-BE49-F238E27FC236}">
-                <a16:creationId xmlns:a16="http://schemas.microsoft.com/office/drawing/2014/main" id="{C1F93CF1-D5B8-44E1-9CA4-1C2D4C587287}"/>
-              </a:ext>
-            </a:extLst>
-          </p:cNvPr>
-          <p:cNvSpPr txBox="1"/>
-          <p:nvPr/>
-        </p:nvSpPr>
-        <p:spPr>
-          <a:xfrm>
-            <a:off x="5115297" y="2825440"/>
-            <a:ext cx="771896" cy="369332"/>
-          </a:xfrm>
-          <a:prstGeom prst="rect">
-            <a:avLst/>
-          </a:prstGeom>
-          <a:noFill/>
-        </p:spPr>
-        <p:txBody>
-          <a:bodyPr wrap="square" rtlCol="0">
-            <a:spAutoFit/>
-          </a:bodyPr>
-          <a:lstStyle/>
-          <a:p>
-            <a:r>
-              <a:rPr lang="zh-TW" altLang="en-US" dirty="0">
-                <a:latin typeface="微軟正黑體" panose="020B0604030504040204" pitchFamily="34" charset="-120"/>
-                <a:ea typeface="微軟正黑體" panose="020B0604030504040204" pitchFamily="34" charset="-120"/>
-              </a:rPr>
-              <a:t>目標</a:t>
-            </a:r>
-          </a:p>
-        </p:txBody>
-      </p:sp>
-      <p:sp>
-        <p:nvSpPr>
-          <p:cNvPr id="31" name="文字方塊 30">
-            <a:extLst>
-              <a:ext uri="{FF2B5EF4-FFF2-40B4-BE49-F238E27FC236}">
-                <a16:creationId xmlns:a16="http://schemas.microsoft.com/office/drawing/2014/main" id="{505FC6CD-BBE7-4421-9482-E8BB9259EC0D}"/>
-              </a:ext>
-            </a:extLst>
-          </p:cNvPr>
-          <p:cNvSpPr txBox="1"/>
-          <p:nvPr/>
-        </p:nvSpPr>
-        <p:spPr>
-          <a:xfrm>
-            <a:off x="6612577" y="3995448"/>
-            <a:ext cx="1195448" cy="369332"/>
-          </a:xfrm>
-          <a:prstGeom prst="rect">
-            <a:avLst/>
-          </a:prstGeom>
-          <a:noFill/>
-        </p:spPr>
-        <p:txBody>
-          <a:bodyPr wrap="square" rtlCol="0">
-            <a:spAutoFit/>
-          </a:bodyPr>
-          <a:lstStyle/>
-          <a:p>
-            <a:r>
-              <a:rPr lang="en-US" altLang="zh-TW" dirty="0" err="1"/>
-              <a:t>Goal_pose</a:t>
-            </a:r>
-            <a:endParaRPr lang="zh-TW" altLang="en-US" dirty="0"/>
-          </a:p>
-        </p:txBody>
-      </p:sp>
-      <p:sp>
-        <p:nvSpPr>
-          <p:cNvPr id="32" name="文字方塊 31">
-            <a:extLst>
-              <a:ext uri="{FF2B5EF4-FFF2-40B4-BE49-F238E27FC236}">
-                <a16:creationId xmlns:a16="http://schemas.microsoft.com/office/drawing/2014/main" id="{BB9564A9-264D-4039-818C-AEC02DED09F6}"/>
-              </a:ext>
-            </a:extLst>
-          </p:cNvPr>
-          <p:cNvSpPr txBox="1"/>
-          <p:nvPr/>
-        </p:nvSpPr>
-        <p:spPr>
-          <a:xfrm>
-            <a:off x="4952010" y="5035138"/>
-            <a:ext cx="1205346" cy="369332"/>
-          </a:xfrm>
-          <a:prstGeom prst="rect">
-            <a:avLst/>
-          </a:prstGeom>
-          <a:noFill/>
-        </p:spPr>
-        <p:txBody>
-          <a:bodyPr wrap="square" rtlCol="0">
-            <a:spAutoFit/>
-          </a:bodyPr>
-          <a:lstStyle/>
-          <a:p>
-            <a:r>
-              <a:rPr lang="en-US" altLang="zh-TW" dirty="0" err="1"/>
-              <a:t>Goal_pose</a:t>
-            </a:r>
-            <a:endParaRPr lang="zh-TW" altLang="en-US" dirty="0"/>
-          </a:p>
-        </p:txBody>
-      </p:sp>
-      <p:sp>
-        <p:nvSpPr>
-          <p:cNvPr id="33" name="文字方塊 32">
-            <a:extLst>
-              <a:ext uri="{FF2B5EF4-FFF2-40B4-BE49-F238E27FC236}">
-                <a16:creationId xmlns:a16="http://schemas.microsoft.com/office/drawing/2014/main" id="{018C7A24-8645-4DBC-9071-6FC974C11E76}"/>
-              </a:ext>
-            </a:extLst>
-          </p:cNvPr>
-          <p:cNvSpPr txBox="1"/>
-          <p:nvPr/>
-        </p:nvSpPr>
-        <p:spPr>
-          <a:xfrm>
-            <a:off x="7989124" y="5143499"/>
-            <a:ext cx="1246909" cy="369332"/>
-          </a:xfrm>
-          <a:prstGeom prst="rect">
-            <a:avLst/>
-          </a:prstGeom>
-          <a:noFill/>
-        </p:spPr>
-        <p:txBody>
-          <a:bodyPr wrap="square" rtlCol="0">
-            <a:spAutoFit/>
-          </a:bodyPr>
-          <a:lstStyle/>
-          <a:p>
-            <a:r>
-              <a:rPr lang="en-US" altLang="zh-TW" dirty="0" err="1"/>
-              <a:t>Pcl_pose</a:t>
-            </a:r>
-            <a:endParaRPr lang="zh-TW" altLang="en-US" dirty="0"/>
-          </a:p>
-        </p:txBody>
-      </p:sp>
-      <p:sp>
-        <p:nvSpPr>
-          <p:cNvPr id="34" name="文字方塊 33">
-            <a:extLst>
-              <a:ext uri="{FF2B5EF4-FFF2-40B4-BE49-F238E27FC236}">
-                <a16:creationId xmlns:a16="http://schemas.microsoft.com/office/drawing/2014/main" id="{B8295C6E-F8B1-4F76-9EB2-3F941E2F3607}"/>
-              </a:ext>
-            </a:extLst>
-          </p:cNvPr>
-          <p:cNvSpPr txBox="1"/>
-          <p:nvPr/>
-        </p:nvSpPr>
-        <p:spPr>
-          <a:xfrm>
-            <a:off x="7972304" y="2274125"/>
-            <a:ext cx="718456" cy="369332"/>
-          </a:xfrm>
-          <a:prstGeom prst="rect">
-            <a:avLst/>
-          </a:prstGeom>
-          <a:noFill/>
-        </p:spPr>
-        <p:txBody>
-          <a:bodyPr wrap="square" rtlCol="0">
-            <a:spAutoFit/>
-          </a:bodyPr>
-          <a:lstStyle/>
-          <a:p>
-            <a:r>
-              <a:rPr lang="zh-TW" altLang="en-US" dirty="0">
-                <a:latin typeface="微軟正黑體" panose="020B0604030504040204" pitchFamily="34" charset="-120"/>
-                <a:ea typeface="微軟正黑體" panose="020B0604030504040204" pitchFamily="34" charset="-120"/>
-              </a:rPr>
-              <a:t>到達</a:t>
-            </a:r>
-          </a:p>
-        </p:txBody>
-      </p:sp>
-      <p:cxnSp>
-        <p:nvCxnSpPr>
-          <p:cNvPr id="38" name="接點: 弧形 37">
-            <a:extLst>
-              <a:ext uri="{FF2B5EF4-FFF2-40B4-BE49-F238E27FC236}">
-                <a16:creationId xmlns:a16="http://schemas.microsoft.com/office/drawing/2014/main" id="{6D68A3AD-3E63-46D6-8737-A01C3F3E15EC}"/>
-              </a:ext>
-            </a:extLst>
-          </p:cNvPr>
-          <p:cNvCxnSpPr>
-            <a:stCxn id="6" idx="1"/>
-            <a:endCxn id="4" idx="7"/>
-          </p:cNvCxnSpPr>
-          <p:nvPr/>
-        </p:nvCxnSpPr>
-        <p:spPr>
-          <a:xfrm rot="16200000" flipV="1">
-            <a:off x="3787735" y="150954"/>
-            <a:ext cx="412666" cy="2327676"/>
-          </a:xfrm>
-          <a:prstGeom prst="curvedConnector3">
-            <a:avLst>
-              <a:gd name="adj1" fmla="val 203861"/>
-            </a:avLst>
-          </a:prstGeom>
-          <a:ln w="28575">
-            <a:tailEnd type="triangle"/>
-          </a:ln>
-        </p:spPr>
-        <p:style>
-          <a:lnRef idx="1">
-            <a:schemeClr val="accent1"/>
-          </a:lnRef>
-          <a:fillRef idx="0">
-            <a:schemeClr val="accent1"/>
-          </a:fillRef>
-          <a:effectRef idx="0">
-            <a:schemeClr val="accent1"/>
-          </a:effectRef>
-          <a:fontRef idx="minor">
-            <a:schemeClr val="tx1"/>
-          </a:fontRef>
-        </p:style>
-      </p:cxnSp>
-      <p:cxnSp>
-        <p:nvCxnSpPr>
-          <p:cNvPr id="40" name="接點: 弧形 39">
-            <a:extLst>
-              <a:ext uri="{FF2B5EF4-FFF2-40B4-BE49-F238E27FC236}">
-                <a16:creationId xmlns:a16="http://schemas.microsoft.com/office/drawing/2014/main" id="{5959453D-22A3-4C28-BF37-992AC1F9589B}"/>
-              </a:ext>
-            </a:extLst>
-          </p:cNvPr>
-          <p:cNvCxnSpPr>
-            <a:stCxn id="4" idx="5"/>
-            <a:endCxn id="6" idx="3"/>
-          </p:cNvCxnSpPr>
-          <p:nvPr/>
-        </p:nvCxnSpPr>
-        <p:spPr>
-          <a:xfrm rot="16200000" flipH="1">
-            <a:off x="3787735" y="1116623"/>
-            <a:ext cx="412666" cy="2327676"/>
-          </a:xfrm>
-          <a:prstGeom prst="curvedConnector3">
-            <a:avLst>
-              <a:gd name="adj1" fmla="val 203861"/>
-            </a:avLst>
-          </a:prstGeom>
-          <a:ln w="28575">
-            <a:tailEnd type="triangle"/>
-          </a:ln>
-        </p:spPr>
-        <p:style>
-          <a:lnRef idx="1">
-            <a:schemeClr val="accent1"/>
-          </a:lnRef>
-          <a:fillRef idx="0">
-            <a:schemeClr val="accent1"/>
-          </a:fillRef>
-          <a:effectRef idx="0">
-            <a:schemeClr val="accent1"/>
-          </a:effectRef>
-          <a:fontRef idx="minor">
-            <a:schemeClr val="tx1"/>
-          </a:fontRef>
-        </p:style>
-      </p:cxnSp>
-      <p:sp>
-        <p:nvSpPr>
-          <p:cNvPr id="41" name="文字方塊 40">
-            <a:extLst>
-              <a:ext uri="{FF2B5EF4-FFF2-40B4-BE49-F238E27FC236}">
-                <a16:creationId xmlns:a16="http://schemas.microsoft.com/office/drawing/2014/main" id="{A87F33BC-4255-48F0-8F4C-0058C787EA99}"/>
-              </a:ext>
-            </a:extLst>
-          </p:cNvPr>
-          <p:cNvSpPr txBox="1"/>
-          <p:nvPr/>
-        </p:nvSpPr>
-        <p:spPr>
-          <a:xfrm>
-            <a:off x="3326081" y="418548"/>
-            <a:ext cx="1199408" cy="369332"/>
-          </a:xfrm>
-          <a:prstGeom prst="rect">
-            <a:avLst/>
-          </a:prstGeom>
-          <a:noFill/>
-        </p:spPr>
-        <p:txBody>
-          <a:bodyPr wrap="square" rtlCol="0">
-            <a:spAutoFit/>
-          </a:bodyPr>
-          <a:lstStyle/>
-          <a:p>
-            <a:r>
-              <a:rPr lang="zh-TW" altLang="en-US" dirty="0">
-                <a:latin typeface="微軟正黑體" panose="020B0604030504040204" pitchFamily="34" charset="-120"/>
-                <a:ea typeface="微軟正黑體" panose="020B0604030504040204" pitchFamily="34" charset="-120"/>
-              </a:rPr>
-              <a:t>拿書</a:t>
-            </a:r>
-            <a:r>
-              <a:rPr lang="en-US" altLang="zh-TW" dirty="0">
-                <a:latin typeface="微軟正黑體" panose="020B0604030504040204" pitchFamily="34" charset="-120"/>
-                <a:ea typeface="微軟正黑體" panose="020B0604030504040204" pitchFamily="34" charset="-120"/>
-              </a:rPr>
-              <a:t>/</a:t>
-            </a:r>
-            <a:r>
-              <a:rPr lang="zh-TW" altLang="en-US" dirty="0">
-                <a:latin typeface="微軟正黑體" panose="020B0604030504040204" pitchFamily="34" charset="-120"/>
-                <a:ea typeface="微軟正黑體" panose="020B0604030504040204" pitchFamily="34" charset="-120"/>
-              </a:rPr>
-              <a:t>還書</a:t>
-            </a:r>
-          </a:p>
-        </p:txBody>
-      </p:sp>
-      <p:sp>
-        <p:nvSpPr>
-          <p:cNvPr id="42" name="文字方塊 41">
-            <a:extLst>
-              <a:ext uri="{FF2B5EF4-FFF2-40B4-BE49-F238E27FC236}">
-                <a16:creationId xmlns:a16="http://schemas.microsoft.com/office/drawing/2014/main" id="{79E9E393-E489-457D-9AA3-961975A8F55B}"/>
-              </a:ext>
-            </a:extLst>
-          </p:cNvPr>
-          <p:cNvSpPr txBox="1"/>
-          <p:nvPr/>
-        </p:nvSpPr>
-        <p:spPr>
-          <a:xfrm>
-            <a:off x="3408218" y="2686791"/>
-            <a:ext cx="907474" cy="369332"/>
-          </a:xfrm>
-          <a:prstGeom prst="rect">
-            <a:avLst/>
-          </a:prstGeom>
-          <a:noFill/>
-        </p:spPr>
-        <p:txBody>
-          <a:bodyPr wrap="square" rtlCol="0">
-            <a:spAutoFit/>
-          </a:bodyPr>
-          <a:lstStyle/>
-          <a:p>
-            <a:r>
-              <a:rPr lang="zh-TW" altLang="en-US" dirty="0">
-                <a:latin typeface="微軟正黑體" panose="020B0604030504040204" pitchFamily="34" charset="-120"/>
-                <a:ea typeface="微軟正黑體" panose="020B0604030504040204" pitchFamily="34" charset="-120"/>
-              </a:rPr>
-              <a:t>拿完</a:t>
-            </a:r>
-          </a:p>
-        </p:txBody>
-      </p:sp>
+        </p:grpSpPr>
+        <p:sp>
+          <p:nvSpPr>
+            <p:cNvPr id="4" name="橢圓 3">
+              <a:extLst>
+                <a:ext uri="{FF2B5EF4-FFF2-40B4-BE49-F238E27FC236}">
+                  <a16:creationId xmlns:a16="http://schemas.microsoft.com/office/drawing/2014/main" id="{5BA52A38-C059-4627-B071-63947250C382}"/>
+                </a:ext>
+              </a:extLst>
+            </p:cNvPr>
+            <p:cNvSpPr/>
+            <p:nvPr/>
+          </p:nvSpPr>
+          <p:spPr>
+            <a:xfrm>
+              <a:off x="1203366" y="908462"/>
+              <a:ext cx="1905990" cy="1365663"/>
+            </a:xfrm>
+            <a:prstGeom prst="ellipse">
+              <a:avLst/>
+            </a:prstGeom>
+          </p:spPr>
+          <p:style>
+            <a:lnRef idx="2">
+              <a:schemeClr val="accent1">
+                <a:shade val="50000"/>
+              </a:schemeClr>
+            </a:lnRef>
+            <a:fillRef idx="1">
+              <a:schemeClr val="accent1"/>
+            </a:fillRef>
+            <a:effectRef idx="0">
+              <a:schemeClr val="accent1"/>
+            </a:effectRef>
+            <a:fontRef idx="minor">
+              <a:schemeClr val="lt1"/>
+            </a:fontRef>
+          </p:style>
+          <p:txBody>
+            <a:bodyPr rtlCol="0" anchor="ctr"/>
+            <a:lstStyle/>
+            <a:p>
+              <a:pPr algn="ctr"/>
+              <a:r>
+                <a:rPr lang="zh-TW" altLang="en-US" dirty="0">
+                  <a:latin typeface="微軟正黑體" panose="020B0604030504040204" pitchFamily="34" charset="-120"/>
+                  <a:ea typeface="微軟正黑體" panose="020B0604030504040204" pitchFamily="34" charset="-120"/>
+                </a:rPr>
+                <a:t>手臂</a:t>
+              </a:r>
+            </a:p>
+          </p:txBody>
+        </p:sp>
+        <p:sp>
+          <p:nvSpPr>
+            <p:cNvPr id="6" name="橢圓 5">
+              <a:extLst>
+                <a:ext uri="{FF2B5EF4-FFF2-40B4-BE49-F238E27FC236}">
+                  <a16:creationId xmlns:a16="http://schemas.microsoft.com/office/drawing/2014/main" id="{36172584-3285-417D-BD76-4309BA03C8F2}"/>
+                </a:ext>
+              </a:extLst>
+            </p:cNvPr>
+            <p:cNvSpPr/>
+            <p:nvPr/>
+          </p:nvSpPr>
+          <p:spPr>
+            <a:xfrm>
+              <a:off x="4878780" y="1321128"/>
+              <a:ext cx="1905990" cy="1365663"/>
+            </a:xfrm>
+            <a:prstGeom prst="ellipse">
+              <a:avLst/>
+            </a:prstGeom>
+          </p:spPr>
+          <p:style>
+            <a:lnRef idx="2">
+              <a:schemeClr val="accent1">
+                <a:shade val="50000"/>
+              </a:schemeClr>
+            </a:lnRef>
+            <a:fillRef idx="1">
+              <a:schemeClr val="accent1"/>
+            </a:fillRef>
+            <a:effectRef idx="0">
+              <a:schemeClr val="accent1"/>
+            </a:effectRef>
+            <a:fontRef idx="minor">
+              <a:schemeClr val="lt1"/>
+            </a:fontRef>
+          </p:style>
+          <p:txBody>
+            <a:bodyPr rtlCol="0" anchor="ctr"/>
+            <a:lstStyle/>
+            <a:p>
+              <a:pPr algn="ctr"/>
+              <a:r>
+                <a:rPr lang="en-US" altLang="zh-TW" dirty="0">
+                  <a:latin typeface="微軟正黑體" panose="020B0604030504040204" pitchFamily="34" charset="-120"/>
+                  <a:ea typeface="微軟正黑體" panose="020B0604030504040204" pitchFamily="34" charset="-120"/>
+                </a:rPr>
+                <a:t>node</a:t>
+              </a:r>
+            </a:p>
+            <a:p>
+              <a:pPr algn="ctr"/>
+              <a:r>
+                <a:rPr lang="zh-TW" altLang="en-US" dirty="0">
+                  <a:latin typeface="微軟正黑體" panose="020B0604030504040204" pitchFamily="34" charset="-120"/>
+                  <a:ea typeface="微軟正黑體" panose="020B0604030504040204" pitchFamily="34" charset="-120"/>
+                </a:rPr>
+                <a:t>語音控制</a:t>
+              </a:r>
+            </a:p>
+          </p:txBody>
+        </p:sp>
+        <p:sp>
+          <p:nvSpPr>
+            <p:cNvPr id="8" name="矩形: 圓角 7">
+              <a:extLst>
+                <a:ext uri="{FF2B5EF4-FFF2-40B4-BE49-F238E27FC236}">
+                  <a16:creationId xmlns:a16="http://schemas.microsoft.com/office/drawing/2014/main" id="{AFCD8A01-C799-48A5-9EC0-60139DDE5064}"/>
+                </a:ext>
+              </a:extLst>
+            </p:cNvPr>
+            <p:cNvSpPr/>
+            <p:nvPr/>
+          </p:nvSpPr>
+          <p:spPr>
+            <a:xfrm>
+              <a:off x="3604161" y="3497283"/>
+              <a:ext cx="7083631" cy="2677886"/>
+            </a:xfrm>
+            <a:prstGeom prst="roundRect">
+              <a:avLst/>
+            </a:prstGeom>
+            <a:solidFill>
+              <a:schemeClr val="accent6">
+                <a:lumMod val="40000"/>
+                <a:lumOff val="60000"/>
+              </a:schemeClr>
+            </a:solidFill>
+            <a:ln>
+              <a:noFill/>
+            </a:ln>
+          </p:spPr>
+          <p:style>
+            <a:lnRef idx="2">
+              <a:schemeClr val="accent2">
+                <a:shade val="50000"/>
+              </a:schemeClr>
+            </a:lnRef>
+            <a:fillRef idx="1">
+              <a:schemeClr val="accent2"/>
+            </a:fillRef>
+            <a:effectRef idx="0">
+              <a:schemeClr val="accent2"/>
+            </a:effectRef>
+            <a:fontRef idx="minor">
+              <a:schemeClr val="lt1"/>
+            </a:fontRef>
+          </p:style>
+          <p:txBody>
+            <a:bodyPr rtlCol="0" anchor="ctr"/>
+            <a:lstStyle/>
+            <a:p>
+              <a:pPr algn="ctr"/>
+              <a:endParaRPr lang="zh-TW" altLang="en-US"/>
+            </a:p>
+          </p:txBody>
+        </p:sp>
+        <p:sp>
+          <p:nvSpPr>
+            <p:cNvPr id="7" name="橢圓 6">
+              <a:extLst>
+                <a:ext uri="{FF2B5EF4-FFF2-40B4-BE49-F238E27FC236}">
+                  <a16:creationId xmlns:a16="http://schemas.microsoft.com/office/drawing/2014/main" id="{D5935FF2-EC15-479A-AE64-B8192E059D0F}"/>
+                </a:ext>
+              </a:extLst>
+            </p:cNvPr>
+            <p:cNvSpPr/>
+            <p:nvPr/>
+          </p:nvSpPr>
+          <p:spPr>
+            <a:xfrm>
+              <a:off x="4184074" y="3621973"/>
+              <a:ext cx="1973282" cy="1134094"/>
+            </a:xfrm>
+            <a:prstGeom prst="ellipse">
+              <a:avLst/>
+            </a:prstGeom>
+          </p:spPr>
+          <p:style>
+            <a:lnRef idx="2">
+              <a:schemeClr val="accent1">
+                <a:shade val="50000"/>
+              </a:schemeClr>
+            </a:lnRef>
+            <a:fillRef idx="1">
+              <a:schemeClr val="accent1"/>
+            </a:fillRef>
+            <a:effectRef idx="0">
+              <a:schemeClr val="accent1"/>
+            </a:effectRef>
+            <a:fontRef idx="minor">
+              <a:schemeClr val="lt1"/>
+            </a:fontRef>
+          </p:style>
+          <p:txBody>
+            <a:bodyPr rtlCol="0" anchor="ctr"/>
+            <a:lstStyle/>
+            <a:p>
+              <a:pPr algn="ctr"/>
+              <a:r>
+                <a:rPr lang="en-US" altLang="zh-TW" dirty="0">
+                  <a:latin typeface="微軟正黑體" panose="020B0604030504040204" pitchFamily="34" charset="-120"/>
+                  <a:ea typeface="微軟正黑體" panose="020B0604030504040204" pitchFamily="34" charset="-120"/>
+                </a:rPr>
+                <a:t>node</a:t>
+              </a:r>
+            </a:p>
+            <a:p>
+              <a:pPr algn="ctr"/>
+              <a:r>
+                <a:rPr lang="zh-TW" altLang="en-US" dirty="0">
+                  <a:latin typeface="微軟正黑體" panose="020B0604030504040204" pitchFamily="34" charset="-120"/>
+                  <a:ea typeface="微軟正黑體" panose="020B0604030504040204" pitchFamily="34" charset="-120"/>
+                </a:rPr>
+                <a:t>設定目標點</a:t>
+              </a:r>
+            </a:p>
+          </p:txBody>
+        </p:sp>
+        <p:sp>
+          <p:nvSpPr>
+            <p:cNvPr id="9" name="橢圓 8">
+              <a:extLst>
+                <a:ext uri="{FF2B5EF4-FFF2-40B4-BE49-F238E27FC236}">
+                  <a16:creationId xmlns:a16="http://schemas.microsoft.com/office/drawing/2014/main" id="{73F52213-380C-4F9D-9D73-50B022D6A834}"/>
+                </a:ext>
+              </a:extLst>
+            </p:cNvPr>
+            <p:cNvSpPr/>
+            <p:nvPr/>
+          </p:nvSpPr>
+          <p:spPr>
+            <a:xfrm>
+              <a:off x="8304812" y="3883232"/>
+              <a:ext cx="1710049" cy="1294410"/>
+            </a:xfrm>
+            <a:prstGeom prst="ellipse">
+              <a:avLst/>
+            </a:prstGeom>
+          </p:spPr>
+          <p:style>
+            <a:lnRef idx="2">
+              <a:schemeClr val="accent1">
+                <a:shade val="50000"/>
+              </a:schemeClr>
+            </a:lnRef>
+            <a:fillRef idx="1">
+              <a:schemeClr val="accent1"/>
+            </a:fillRef>
+            <a:effectRef idx="0">
+              <a:schemeClr val="accent1"/>
+            </a:effectRef>
+            <a:fontRef idx="minor">
+              <a:schemeClr val="lt1"/>
+            </a:fontRef>
+          </p:style>
+          <p:txBody>
+            <a:bodyPr rtlCol="0" anchor="ctr"/>
+            <a:lstStyle/>
+            <a:p>
+              <a:pPr algn="ctr"/>
+              <a:r>
+                <a:rPr lang="en-US" altLang="zh-TW" dirty="0">
+                  <a:latin typeface="微軟正黑體" panose="020B0604030504040204" pitchFamily="34" charset="-120"/>
+                  <a:ea typeface="微軟正黑體" panose="020B0604030504040204" pitchFamily="34" charset="-120"/>
+                </a:rPr>
+                <a:t>node</a:t>
+              </a:r>
+            </a:p>
+            <a:p>
+              <a:pPr algn="ctr"/>
+              <a:r>
+                <a:rPr lang="zh-TW" altLang="en-US" dirty="0">
+                  <a:latin typeface="微軟正黑體" panose="020B0604030504040204" pitchFamily="34" charset="-120"/>
+                  <a:ea typeface="微軟正黑體" panose="020B0604030504040204" pitchFamily="34" charset="-120"/>
+                </a:rPr>
+                <a:t>檢測抵達目標</a:t>
+              </a:r>
+            </a:p>
+          </p:txBody>
+        </p:sp>
+        <p:sp>
+          <p:nvSpPr>
+            <p:cNvPr id="11" name="矩形: 圓角 10">
+              <a:extLst>
+                <a:ext uri="{FF2B5EF4-FFF2-40B4-BE49-F238E27FC236}">
+                  <a16:creationId xmlns:a16="http://schemas.microsoft.com/office/drawing/2014/main" id="{A375FC80-2038-47F9-88AE-EB7053EEED6B}"/>
+                </a:ext>
+              </a:extLst>
+            </p:cNvPr>
+            <p:cNvSpPr/>
+            <p:nvPr/>
+          </p:nvSpPr>
+          <p:spPr>
+            <a:xfrm>
+              <a:off x="6157356" y="5035138"/>
+              <a:ext cx="1626920" cy="991590"/>
+            </a:xfrm>
+            <a:prstGeom prst="roundRect">
+              <a:avLst/>
+            </a:prstGeom>
+          </p:spPr>
+          <p:style>
+            <a:lnRef idx="2">
+              <a:schemeClr val="accent1">
+                <a:shade val="50000"/>
+              </a:schemeClr>
+            </a:lnRef>
+            <a:fillRef idx="1">
+              <a:schemeClr val="accent1"/>
+            </a:fillRef>
+            <a:effectRef idx="0">
+              <a:schemeClr val="accent1"/>
+            </a:effectRef>
+            <a:fontRef idx="minor">
+              <a:schemeClr val="lt1"/>
+            </a:fontRef>
+          </p:style>
+          <p:txBody>
+            <a:bodyPr rtlCol="0" anchor="ctr"/>
+            <a:lstStyle/>
+            <a:p>
+              <a:pPr algn="ctr"/>
+              <a:r>
+                <a:rPr lang="zh-TW" altLang="en-US" dirty="0">
+                  <a:latin typeface="微軟正黑體" panose="020B0604030504040204" pitchFamily="34" charset="-120"/>
+                  <a:ea typeface="微軟正黑體" panose="020B0604030504040204" pitchFamily="34" charset="-120"/>
+                </a:rPr>
+                <a:t>底盤</a:t>
+              </a:r>
+              <a:r>
+                <a:rPr lang="en-US" altLang="zh-TW" dirty="0"/>
+                <a:t>navigation</a:t>
+              </a:r>
+              <a:endParaRPr lang="zh-TW" altLang="en-US" dirty="0"/>
+            </a:p>
+          </p:txBody>
+        </p:sp>
+        <p:cxnSp>
+          <p:nvCxnSpPr>
+            <p:cNvPr id="13" name="接點: 弧形 12">
+              <a:extLst>
+                <a:ext uri="{FF2B5EF4-FFF2-40B4-BE49-F238E27FC236}">
+                  <a16:creationId xmlns:a16="http://schemas.microsoft.com/office/drawing/2014/main" id="{3178A735-F03B-4DE5-B5FB-EBD3A89B0681}"/>
+                </a:ext>
+              </a:extLst>
+            </p:cNvPr>
+            <p:cNvCxnSpPr>
+              <a:stCxn id="7" idx="6"/>
+              <a:endCxn id="9" idx="2"/>
+            </p:cNvCxnSpPr>
+            <p:nvPr/>
+          </p:nvCxnSpPr>
+          <p:spPr>
+            <a:xfrm>
+              <a:off x="6157356" y="4189020"/>
+              <a:ext cx="2147456" cy="341417"/>
+            </a:xfrm>
+            <a:prstGeom prst="curvedConnector3">
+              <a:avLst/>
+            </a:prstGeom>
+            <a:ln w="28575">
+              <a:solidFill>
+                <a:schemeClr val="tx1"/>
+              </a:solidFill>
+              <a:tailEnd type="triangle"/>
+            </a:ln>
+          </p:spPr>
+          <p:style>
+            <a:lnRef idx="1">
+              <a:schemeClr val="accent1"/>
+            </a:lnRef>
+            <a:fillRef idx="0">
+              <a:schemeClr val="accent1"/>
+            </a:fillRef>
+            <a:effectRef idx="0">
+              <a:schemeClr val="accent1"/>
+            </a:effectRef>
+            <a:fontRef idx="minor">
+              <a:schemeClr val="tx1"/>
+            </a:fontRef>
+          </p:style>
+        </p:cxnSp>
+        <p:cxnSp>
+          <p:nvCxnSpPr>
+            <p:cNvPr id="15" name="接點: 弧形 14">
+              <a:extLst>
+                <a:ext uri="{FF2B5EF4-FFF2-40B4-BE49-F238E27FC236}">
+                  <a16:creationId xmlns:a16="http://schemas.microsoft.com/office/drawing/2014/main" id="{CA31FF21-AEE3-41EE-9B55-192D6C8FA423}"/>
+                </a:ext>
+              </a:extLst>
+            </p:cNvPr>
+            <p:cNvCxnSpPr>
+              <a:cxnSpLocks/>
+            </p:cNvCxnSpPr>
+            <p:nvPr/>
+          </p:nvCxnSpPr>
+          <p:spPr>
+            <a:xfrm rot="16200000" flipH="1">
+              <a:off x="5276603" y="4650180"/>
+              <a:ext cx="774866" cy="986641"/>
+            </a:xfrm>
+            <a:prstGeom prst="curvedConnector2">
+              <a:avLst/>
+            </a:prstGeom>
+            <a:ln w="28575">
+              <a:solidFill>
+                <a:schemeClr val="tx1"/>
+              </a:solidFill>
+              <a:tailEnd type="triangle"/>
+            </a:ln>
+          </p:spPr>
+          <p:style>
+            <a:lnRef idx="1">
+              <a:schemeClr val="accent1"/>
+            </a:lnRef>
+            <a:fillRef idx="0">
+              <a:schemeClr val="accent1"/>
+            </a:fillRef>
+            <a:effectRef idx="0">
+              <a:schemeClr val="accent1"/>
+            </a:effectRef>
+            <a:fontRef idx="minor">
+              <a:schemeClr val="tx1"/>
+            </a:fontRef>
+          </p:style>
+        </p:cxnSp>
+        <p:cxnSp>
+          <p:nvCxnSpPr>
+            <p:cNvPr id="19" name="接點: 弧形 18">
+              <a:extLst>
+                <a:ext uri="{FF2B5EF4-FFF2-40B4-BE49-F238E27FC236}">
+                  <a16:creationId xmlns:a16="http://schemas.microsoft.com/office/drawing/2014/main" id="{4888557B-93BC-4622-B57C-495DB3839270}"/>
+                </a:ext>
+              </a:extLst>
+            </p:cNvPr>
+            <p:cNvCxnSpPr>
+              <a:endCxn id="9" idx="4"/>
+            </p:cNvCxnSpPr>
+            <p:nvPr/>
+          </p:nvCxnSpPr>
+          <p:spPr>
+            <a:xfrm flipV="1">
+              <a:off x="7784276" y="5177642"/>
+              <a:ext cx="1375561" cy="353291"/>
+            </a:xfrm>
+            <a:prstGeom prst="curvedConnector2">
+              <a:avLst/>
+            </a:prstGeom>
+            <a:ln w="28575">
+              <a:solidFill>
+                <a:schemeClr val="tx1"/>
+              </a:solidFill>
+              <a:tailEnd type="triangle"/>
+            </a:ln>
+          </p:spPr>
+          <p:style>
+            <a:lnRef idx="1">
+              <a:schemeClr val="accent1"/>
+            </a:lnRef>
+            <a:fillRef idx="0">
+              <a:schemeClr val="accent1"/>
+            </a:fillRef>
+            <a:effectRef idx="0">
+              <a:schemeClr val="accent1"/>
+            </a:effectRef>
+            <a:fontRef idx="minor">
+              <a:schemeClr val="tx1"/>
+            </a:fontRef>
+          </p:style>
+        </p:cxnSp>
+        <p:cxnSp>
+          <p:nvCxnSpPr>
+            <p:cNvPr id="21" name="接點: 弧形 20">
+              <a:extLst>
+                <a:ext uri="{FF2B5EF4-FFF2-40B4-BE49-F238E27FC236}">
+                  <a16:creationId xmlns:a16="http://schemas.microsoft.com/office/drawing/2014/main" id="{92211C55-466D-4213-A54B-3F9E2B5CB29C}"/>
+                </a:ext>
+              </a:extLst>
+            </p:cNvPr>
+            <p:cNvCxnSpPr>
+              <a:cxnSpLocks/>
+              <a:stCxn id="6" idx="4"/>
+              <a:endCxn id="7" idx="0"/>
+            </p:cNvCxnSpPr>
+            <p:nvPr/>
+          </p:nvCxnSpPr>
+          <p:spPr>
+            <a:xfrm rot="5400000">
+              <a:off x="5033654" y="2823852"/>
+              <a:ext cx="935182" cy="661060"/>
+            </a:xfrm>
+            <a:prstGeom prst="curvedConnector3">
+              <a:avLst/>
+            </a:prstGeom>
+            <a:ln w="28575">
+              <a:solidFill>
+                <a:schemeClr val="tx1"/>
+              </a:solidFill>
+              <a:tailEnd type="triangle"/>
+            </a:ln>
+          </p:spPr>
+          <p:style>
+            <a:lnRef idx="1">
+              <a:schemeClr val="accent1"/>
+            </a:lnRef>
+            <a:fillRef idx="0">
+              <a:schemeClr val="accent1"/>
+            </a:fillRef>
+            <a:effectRef idx="0">
+              <a:schemeClr val="accent1"/>
+            </a:effectRef>
+            <a:fontRef idx="minor">
+              <a:schemeClr val="tx1"/>
+            </a:fontRef>
+          </p:style>
+        </p:cxnSp>
+        <p:cxnSp>
+          <p:nvCxnSpPr>
+            <p:cNvPr id="25" name="接點: 弧形 24">
+              <a:extLst>
+                <a:ext uri="{FF2B5EF4-FFF2-40B4-BE49-F238E27FC236}">
+                  <a16:creationId xmlns:a16="http://schemas.microsoft.com/office/drawing/2014/main" id="{6558E1AB-4A52-472B-B460-3F7EAF666C85}"/>
+                </a:ext>
+              </a:extLst>
+            </p:cNvPr>
+            <p:cNvCxnSpPr>
+              <a:cxnSpLocks/>
+              <a:stCxn id="9" idx="0"/>
+              <a:endCxn id="6" idx="6"/>
+            </p:cNvCxnSpPr>
+            <p:nvPr/>
+          </p:nvCxnSpPr>
+          <p:spPr>
+            <a:xfrm rot="16200000" flipV="1">
+              <a:off x="7032668" y="1756062"/>
+              <a:ext cx="1879272" cy="2375067"/>
+            </a:xfrm>
+            <a:prstGeom prst="curvedConnector2">
+              <a:avLst/>
+            </a:prstGeom>
+            <a:ln w="28575">
+              <a:solidFill>
+                <a:schemeClr val="tx1"/>
+              </a:solidFill>
+              <a:tailEnd type="triangle"/>
+            </a:ln>
+          </p:spPr>
+          <p:style>
+            <a:lnRef idx="1">
+              <a:schemeClr val="accent1"/>
+            </a:lnRef>
+            <a:fillRef idx="0">
+              <a:schemeClr val="accent1"/>
+            </a:fillRef>
+            <a:effectRef idx="0">
+              <a:schemeClr val="accent1"/>
+            </a:effectRef>
+            <a:fontRef idx="minor">
+              <a:schemeClr val="tx1"/>
+            </a:fontRef>
+          </p:style>
+        </p:cxnSp>
+        <p:sp>
+          <p:nvSpPr>
+            <p:cNvPr id="30" name="文字方塊 29">
+              <a:extLst>
+                <a:ext uri="{FF2B5EF4-FFF2-40B4-BE49-F238E27FC236}">
+                  <a16:creationId xmlns:a16="http://schemas.microsoft.com/office/drawing/2014/main" id="{C1F93CF1-D5B8-44E1-9CA4-1C2D4C587287}"/>
+                </a:ext>
+              </a:extLst>
+            </p:cNvPr>
+            <p:cNvSpPr txBox="1"/>
+            <p:nvPr/>
+          </p:nvSpPr>
+          <p:spPr>
+            <a:xfrm>
+              <a:off x="5115297" y="2825440"/>
+              <a:ext cx="771896" cy="369332"/>
+            </a:xfrm>
+            <a:prstGeom prst="rect">
+              <a:avLst/>
+            </a:prstGeom>
+            <a:noFill/>
+          </p:spPr>
+          <p:txBody>
+            <a:bodyPr wrap="square" rtlCol="0">
+              <a:spAutoFit/>
+            </a:bodyPr>
+            <a:lstStyle/>
+            <a:p>
+              <a:r>
+                <a:rPr lang="zh-TW" altLang="en-US" dirty="0">
+                  <a:latin typeface="微軟正黑體" panose="020B0604030504040204" pitchFamily="34" charset="-120"/>
+                  <a:ea typeface="微軟正黑體" panose="020B0604030504040204" pitchFamily="34" charset="-120"/>
+                </a:rPr>
+                <a:t>目標</a:t>
+              </a:r>
+            </a:p>
+          </p:txBody>
+        </p:sp>
+        <p:sp>
+          <p:nvSpPr>
+            <p:cNvPr id="31" name="文字方塊 30">
+              <a:extLst>
+                <a:ext uri="{FF2B5EF4-FFF2-40B4-BE49-F238E27FC236}">
+                  <a16:creationId xmlns:a16="http://schemas.microsoft.com/office/drawing/2014/main" id="{505FC6CD-BBE7-4421-9482-E8BB9259EC0D}"/>
+                </a:ext>
+              </a:extLst>
+            </p:cNvPr>
+            <p:cNvSpPr txBox="1"/>
+            <p:nvPr/>
+          </p:nvSpPr>
+          <p:spPr>
+            <a:xfrm>
+              <a:off x="6612577" y="3995448"/>
+              <a:ext cx="1195448" cy="369332"/>
+            </a:xfrm>
+            <a:prstGeom prst="rect">
+              <a:avLst/>
+            </a:prstGeom>
+            <a:noFill/>
+          </p:spPr>
+          <p:txBody>
+            <a:bodyPr wrap="square" rtlCol="0">
+              <a:spAutoFit/>
+            </a:bodyPr>
+            <a:lstStyle/>
+            <a:p>
+              <a:r>
+                <a:rPr lang="en-US" altLang="zh-TW" dirty="0" err="1"/>
+                <a:t>Goal_pose</a:t>
+              </a:r>
+              <a:endParaRPr lang="zh-TW" altLang="en-US" dirty="0"/>
+            </a:p>
+          </p:txBody>
+        </p:sp>
+        <p:sp>
+          <p:nvSpPr>
+            <p:cNvPr id="32" name="文字方塊 31">
+              <a:extLst>
+                <a:ext uri="{FF2B5EF4-FFF2-40B4-BE49-F238E27FC236}">
+                  <a16:creationId xmlns:a16="http://schemas.microsoft.com/office/drawing/2014/main" id="{BB9564A9-264D-4039-818C-AEC02DED09F6}"/>
+                </a:ext>
+              </a:extLst>
+            </p:cNvPr>
+            <p:cNvSpPr txBox="1"/>
+            <p:nvPr/>
+          </p:nvSpPr>
+          <p:spPr>
+            <a:xfrm>
+              <a:off x="4952010" y="5035138"/>
+              <a:ext cx="1205346" cy="369332"/>
+            </a:xfrm>
+            <a:prstGeom prst="rect">
+              <a:avLst/>
+            </a:prstGeom>
+            <a:noFill/>
+          </p:spPr>
+          <p:txBody>
+            <a:bodyPr wrap="square" rtlCol="0">
+              <a:spAutoFit/>
+            </a:bodyPr>
+            <a:lstStyle/>
+            <a:p>
+              <a:r>
+                <a:rPr lang="en-US" altLang="zh-TW" dirty="0" err="1"/>
+                <a:t>Goal_pose</a:t>
+              </a:r>
+              <a:endParaRPr lang="zh-TW" altLang="en-US" dirty="0"/>
+            </a:p>
+          </p:txBody>
+        </p:sp>
+        <p:sp>
+          <p:nvSpPr>
+            <p:cNvPr id="33" name="文字方塊 32">
+              <a:extLst>
+                <a:ext uri="{FF2B5EF4-FFF2-40B4-BE49-F238E27FC236}">
+                  <a16:creationId xmlns:a16="http://schemas.microsoft.com/office/drawing/2014/main" id="{018C7A24-8645-4DBC-9071-6FC974C11E76}"/>
+                </a:ext>
+              </a:extLst>
+            </p:cNvPr>
+            <p:cNvSpPr txBox="1"/>
+            <p:nvPr/>
+          </p:nvSpPr>
+          <p:spPr>
+            <a:xfrm>
+              <a:off x="7989124" y="5143499"/>
+              <a:ext cx="1246909" cy="369332"/>
+            </a:xfrm>
+            <a:prstGeom prst="rect">
+              <a:avLst/>
+            </a:prstGeom>
+            <a:noFill/>
+          </p:spPr>
+          <p:txBody>
+            <a:bodyPr wrap="square" rtlCol="0">
+              <a:spAutoFit/>
+            </a:bodyPr>
+            <a:lstStyle/>
+            <a:p>
+              <a:r>
+                <a:rPr lang="en-US" altLang="zh-TW" dirty="0" err="1"/>
+                <a:t>Pcl_pose</a:t>
+              </a:r>
+              <a:endParaRPr lang="zh-TW" altLang="en-US" dirty="0"/>
+            </a:p>
+          </p:txBody>
+        </p:sp>
+        <p:sp>
+          <p:nvSpPr>
+            <p:cNvPr id="34" name="文字方塊 33">
+              <a:extLst>
+                <a:ext uri="{FF2B5EF4-FFF2-40B4-BE49-F238E27FC236}">
+                  <a16:creationId xmlns:a16="http://schemas.microsoft.com/office/drawing/2014/main" id="{B8295C6E-F8B1-4F76-9EB2-3F941E2F3607}"/>
+                </a:ext>
+              </a:extLst>
+            </p:cNvPr>
+            <p:cNvSpPr txBox="1"/>
+            <p:nvPr/>
+          </p:nvSpPr>
+          <p:spPr>
+            <a:xfrm>
+              <a:off x="7972304" y="2274125"/>
+              <a:ext cx="718456" cy="369332"/>
+            </a:xfrm>
+            <a:prstGeom prst="rect">
+              <a:avLst/>
+            </a:prstGeom>
+            <a:noFill/>
+          </p:spPr>
+          <p:txBody>
+            <a:bodyPr wrap="square" rtlCol="0">
+              <a:spAutoFit/>
+            </a:bodyPr>
+            <a:lstStyle/>
+            <a:p>
+              <a:r>
+                <a:rPr lang="zh-TW" altLang="en-US" dirty="0">
+                  <a:latin typeface="微軟正黑體" panose="020B0604030504040204" pitchFamily="34" charset="-120"/>
+                  <a:ea typeface="微軟正黑體" panose="020B0604030504040204" pitchFamily="34" charset="-120"/>
+                </a:rPr>
+                <a:t>到達</a:t>
+              </a:r>
+            </a:p>
+          </p:txBody>
+        </p:sp>
+        <p:cxnSp>
+          <p:nvCxnSpPr>
+            <p:cNvPr id="38" name="接點: 弧形 37">
+              <a:extLst>
+                <a:ext uri="{FF2B5EF4-FFF2-40B4-BE49-F238E27FC236}">
+                  <a16:creationId xmlns:a16="http://schemas.microsoft.com/office/drawing/2014/main" id="{6D68A3AD-3E63-46D6-8737-A01C3F3E15EC}"/>
+                </a:ext>
+              </a:extLst>
+            </p:cNvPr>
+            <p:cNvCxnSpPr>
+              <a:stCxn id="6" idx="1"/>
+              <a:endCxn id="4" idx="7"/>
+            </p:cNvCxnSpPr>
+            <p:nvPr/>
+          </p:nvCxnSpPr>
+          <p:spPr>
+            <a:xfrm rot="16200000" flipV="1">
+              <a:off x="3787735" y="150954"/>
+              <a:ext cx="412666" cy="2327676"/>
+            </a:xfrm>
+            <a:prstGeom prst="curvedConnector3">
+              <a:avLst>
+                <a:gd name="adj1" fmla="val 203861"/>
+              </a:avLst>
+            </a:prstGeom>
+            <a:ln w="28575">
+              <a:solidFill>
+                <a:srgbClr val="FF0000"/>
+              </a:solidFill>
+              <a:tailEnd type="triangle"/>
+            </a:ln>
+          </p:spPr>
+          <p:style>
+            <a:lnRef idx="1">
+              <a:schemeClr val="accent1"/>
+            </a:lnRef>
+            <a:fillRef idx="0">
+              <a:schemeClr val="accent1"/>
+            </a:fillRef>
+            <a:effectRef idx="0">
+              <a:schemeClr val="accent1"/>
+            </a:effectRef>
+            <a:fontRef idx="minor">
+              <a:schemeClr val="tx1"/>
+            </a:fontRef>
+          </p:style>
+        </p:cxnSp>
+        <p:cxnSp>
+          <p:nvCxnSpPr>
+            <p:cNvPr id="40" name="接點: 弧形 39">
+              <a:extLst>
+                <a:ext uri="{FF2B5EF4-FFF2-40B4-BE49-F238E27FC236}">
+                  <a16:creationId xmlns:a16="http://schemas.microsoft.com/office/drawing/2014/main" id="{5959453D-22A3-4C28-BF37-992AC1F9589B}"/>
+                </a:ext>
+              </a:extLst>
+            </p:cNvPr>
+            <p:cNvCxnSpPr>
+              <a:stCxn id="4" idx="5"/>
+              <a:endCxn id="6" idx="3"/>
+            </p:cNvCxnSpPr>
+            <p:nvPr/>
+          </p:nvCxnSpPr>
+          <p:spPr>
+            <a:xfrm rot="16200000" flipH="1">
+              <a:off x="3787735" y="1116623"/>
+              <a:ext cx="412666" cy="2327676"/>
+            </a:xfrm>
+            <a:prstGeom prst="curvedConnector3">
+              <a:avLst>
+                <a:gd name="adj1" fmla="val 203861"/>
+              </a:avLst>
+            </a:prstGeom>
+            <a:ln w="28575">
+              <a:solidFill>
+                <a:srgbClr val="FF0000"/>
+              </a:solidFill>
+              <a:tailEnd type="triangle"/>
+            </a:ln>
+          </p:spPr>
+          <p:style>
+            <a:lnRef idx="1">
+              <a:schemeClr val="accent1"/>
+            </a:lnRef>
+            <a:fillRef idx="0">
+              <a:schemeClr val="accent1"/>
+            </a:fillRef>
+            <a:effectRef idx="0">
+              <a:schemeClr val="accent1"/>
+            </a:effectRef>
+            <a:fontRef idx="minor">
+              <a:schemeClr val="tx1"/>
+            </a:fontRef>
+          </p:style>
+        </p:cxnSp>
+        <p:sp>
+          <p:nvSpPr>
+            <p:cNvPr id="41" name="文字方塊 40">
+              <a:extLst>
+                <a:ext uri="{FF2B5EF4-FFF2-40B4-BE49-F238E27FC236}">
+                  <a16:creationId xmlns:a16="http://schemas.microsoft.com/office/drawing/2014/main" id="{A87F33BC-4255-48F0-8F4C-0058C787EA99}"/>
+                </a:ext>
+              </a:extLst>
+            </p:cNvPr>
+            <p:cNvSpPr txBox="1"/>
+            <p:nvPr/>
+          </p:nvSpPr>
+          <p:spPr>
+            <a:xfrm>
+              <a:off x="3326081" y="418548"/>
+              <a:ext cx="1199408" cy="369332"/>
+            </a:xfrm>
+            <a:prstGeom prst="rect">
+              <a:avLst/>
+            </a:prstGeom>
+            <a:noFill/>
+          </p:spPr>
+          <p:txBody>
+            <a:bodyPr wrap="square" rtlCol="0">
+              <a:spAutoFit/>
+            </a:bodyPr>
+            <a:lstStyle/>
+            <a:p>
+              <a:r>
+                <a:rPr lang="zh-TW" altLang="en-US" dirty="0">
+                  <a:latin typeface="微軟正黑體" panose="020B0604030504040204" pitchFamily="34" charset="-120"/>
+                  <a:ea typeface="微軟正黑體" panose="020B0604030504040204" pitchFamily="34" charset="-120"/>
+                </a:rPr>
+                <a:t>拿書</a:t>
+              </a:r>
+              <a:r>
+                <a:rPr lang="en-US" altLang="zh-TW" dirty="0">
+                  <a:latin typeface="微軟正黑體" panose="020B0604030504040204" pitchFamily="34" charset="-120"/>
+                  <a:ea typeface="微軟正黑體" panose="020B0604030504040204" pitchFamily="34" charset="-120"/>
+                </a:rPr>
+                <a:t>/</a:t>
+              </a:r>
+              <a:r>
+                <a:rPr lang="zh-TW" altLang="en-US" dirty="0">
+                  <a:latin typeface="微軟正黑體" panose="020B0604030504040204" pitchFamily="34" charset="-120"/>
+                  <a:ea typeface="微軟正黑體" panose="020B0604030504040204" pitchFamily="34" charset="-120"/>
+                </a:rPr>
+                <a:t>還書</a:t>
+              </a:r>
+            </a:p>
+          </p:txBody>
+        </p:sp>
+        <p:sp>
+          <p:nvSpPr>
+            <p:cNvPr id="42" name="文字方塊 41">
+              <a:extLst>
+                <a:ext uri="{FF2B5EF4-FFF2-40B4-BE49-F238E27FC236}">
+                  <a16:creationId xmlns:a16="http://schemas.microsoft.com/office/drawing/2014/main" id="{79E9E393-E489-457D-9AA3-961975A8F55B}"/>
+                </a:ext>
+              </a:extLst>
+            </p:cNvPr>
+            <p:cNvSpPr txBox="1"/>
+            <p:nvPr/>
+          </p:nvSpPr>
+          <p:spPr>
+            <a:xfrm>
+              <a:off x="3408217" y="2686791"/>
+              <a:ext cx="1144981" cy="369332"/>
+            </a:xfrm>
+            <a:prstGeom prst="rect">
+              <a:avLst/>
+            </a:prstGeom>
+            <a:noFill/>
+          </p:spPr>
+          <p:txBody>
+            <a:bodyPr wrap="square" rtlCol="0">
+              <a:spAutoFit/>
+            </a:bodyPr>
+            <a:lstStyle/>
+            <a:p>
+              <a:r>
+                <a:rPr lang="zh-TW" altLang="en-US" dirty="0">
+                  <a:latin typeface="微軟正黑體" panose="020B0604030504040204" pitchFamily="34" charset="-120"/>
+                  <a:ea typeface="微軟正黑體" panose="020B0604030504040204" pitchFamily="34" charset="-120"/>
+                </a:rPr>
+                <a:t>執行完成</a:t>
+              </a:r>
+            </a:p>
+          </p:txBody>
+        </p:sp>
+        <p:sp>
+          <p:nvSpPr>
+            <p:cNvPr id="3" name="箭號: 上-下雙向 2">
+              <a:extLst>
+                <a:ext uri="{FF2B5EF4-FFF2-40B4-BE49-F238E27FC236}">
+                  <a16:creationId xmlns:a16="http://schemas.microsoft.com/office/drawing/2014/main" id="{115B6002-2ACC-42B6-BF3A-4BBA24039CF8}"/>
+                </a:ext>
+              </a:extLst>
+            </p:cNvPr>
+            <p:cNvSpPr/>
+            <p:nvPr/>
+          </p:nvSpPr>
+          <p:spPr>
+            <a:xfrm rot="16844734">
+              <a:off x="3723681" y="1107971"/>
+              <a:ext cx="531138" cy="1363536"/>
+            </a:xfrm>
+            <a:prstGeom prst="upDownArrow">
+              <a:avLst/>
+            </a:prstGeom>
+            <a:ln>
+              <a:solidFill>
+                <a:schemeClr val="accent3"/>
+              </a:solidFill>
+            </a:ln>
+          </p:spPr>
+          <p:style>
+            <a:lnRef idx="2">
+              <a:schemeClr val="accent3">
+                <a:shade val="50000"/>
+              </a:schemeClr>
+            </a:lnRef>
+            <a:fillRef idx="1">
+              <a:schemeClr val="accent3"/>
+            </a:fillRef>
+            <a:effectRef idx="0">
+              <a:schemeClr val="accent3"/>
+            </a:effectRef>
+            <a:fontRef idx="minor">
+              <a:schemeClr val="lt1"/>
+            </a:fontRef>
+          </p:style>
+          <p:txBody>
+            <a:bodyPr rtlCol="0" anchor="ctr"/>
+            <a:lstStyle/>
+            <a:p>
+              <a:pPr algn="ctr"/>
+              <a:endParaRPr lang="zh-TW" altLang="en-US"/>
+            </a:p>
+          </p:txBody>
+        </p:sp>
+        <p:sp>
+          <p:nvSpPr>
+            <p:cNvPr id="5" name="文字方塊 4">
+              <a:extLst>
+                <a:ext uri="{FF2B5EF4-FFF2-40B4-BE49-F238E27FC236}">
+                  <a16:creationId xmlns:a16="http://schemas.microsoft.com/office/drawing/2014/main" id="{C60BEF8C-EB8A-4E0B-A4C8-09C8B33A4EF1}"/>
+                </a:ext>
+              </a:extLst>
+            </p:cNvPr>
+            <p:cNvSpPr txBox="1"/>
+            <p:nvPr/>
+          </p:nvSpPr>
+          <p:spPr>
+            <a:xfrm>
+              <a:off x="3704124" y="1617868"/>
+              <a:ext cx="1128156" cy="369332"/>
+            </a:xfrm>
+            <a:prstGeom prst="rect">
+              <a:avLst/>
+            </a:prstGeom>
+            <a:noFill/>
+          </p:spPr>
+          <p:txBody>
+            <a:bodyPr wrap="square" rtlCol="0">
+              <a:spAutoFit/>
+            </a:bodyPr>
+            <a:lstStyle/>
+            <a:p>
+              <a:r>
+                <a:rPr lang="en-US" altLang="zh-TW" dirty="0"/>
+                <a:t>TCP</a:t>
+              </a:r>
+              <a:endParaRPr lang="zh-TW" altLang="en-US" dirty="0"/>
+            </a:p>
+          </p:txBody>
+        </p:sp>
+      </p:grpSp>
     </p:spTree>
     <p:extLst>
       <p:ext uri="{BB962C8B-B14F-4D97-AF65-F5344CB8AC3E}">
